--- a/hadoop/bigData.pptx
+++ b/hadoop/bigData.pptx
@@ -295,7 +295,7 @@
           <a:p>
             <a:fld id="{537C006B-56ED-4296-AE01-F92F078ACF24}" type="datetimeFigureOut">
               <a:rPr lang="zh-CN" altLang="en-US" smtClean="0"/>
-              <a:t>2018/9/29</a:t>
+              <a:t>2019/1/2</a:t>
             </a:fld>
             <a:endParaRPr lang="zh-CN" altLang="en-US"/>
           </a:p>
@@ -465,7 +465,7 @@
           <a:p>
             <a:fld id="{537C006B-56ED-4296-AE01-F92F078ACF24}" type="datetimeFigureOut">
               <a:rPr lang="zh-CN" altLang="en-US" smtClean="0"/>
-              <a:t>2018/9/29</a:t>
+              <a:t>2019/1/2</a:t>
             </a:fld>
             <a:endParaRPr lang="zh-CN" altLang="en-US"/>
           </a:p>
@@ -645,7 +645,7 @@
           <a:p>
             <a:fld id="{537C006B-56ED-4296-AE01-F92F078ACF24}" type="datetimeFigureOut">
               <a:rPr lang="zh-CN" altLang="en-US" smtClean="0"/>
-              <a:t>2018/9/29</a:t>
+              <a:t>2019/1/2</a:t>
             </a:fld>
             <a:endParaRPr lang="zh-CN" altLang="en-US"/>
           </a:p>
@@ -815,7 +815,7 @@
           <a:p>
             <a:fld id="{537C006B-56ED-4296-AE01-F92F078ACF24}" type="datetimeFigureOut">
               <a:rPr lang="zh-CN" altLang="en-US" smtClean="0"/>
-              <a:t>2018/9/29</a:t>
+              <a:t>2019/1/2</a:t>
             </a:fld>
             <a:endParaRPr lang="zh-CN" altLang="en-US"/>
           </a:p>
@@ -1061,7 +1061,7 @@
           <a:p>
             <a:fld id="{537C006B-56ED-4296-AE01-F92F078ACF24}" type="datetimeFigureOut">
               <a:rPr lang="zh-CN" altLang="en-US" smtClean="0"/>
-              <a:t>2018/9/29</a:t>
+              <a:t>2019/1/2</a:t>
             </a:fld>
             <a:endParaRPr lang="zh-CN" altLang="en-US"/>
           </a:p>
@@ -1293,7 +1293,7 @@
           <a:p>
             <a:fld id="{537C006B-56ED-4296-AE01-F92F078ACF24}" type="datetimeFigureOut">
               <a:rPr lang="zh-CN" altLang="en-US" smtClean="0"/>
-              <a:t>2018/9/29</a:t>
+              <a:t>2019/1/2</a:t>
             </a:fld>
             <a:endParaRPr lang="zh-CN" altLang="en-US"/>
           </a:p>
@@ -1660,7 +1660,7 @@
           <a:p>
             <a:fld id="{537C006B-56ED-4296-AE01-F92F078ACF24}" type="datetimeFigureOut">
               <a:rPr lang="zh-CN" altLang="en-US" smtClean="0"/>
-              <a:t>2018/9/29</a:t>
+              <a:t>2019/1/2</a:t>
             </a:fld>
             <a:endParaRPr lang="zh-CN" altLang="en-US"/>
           </a:p>
@@ -1778,7 +1778,7 @@
           <a:p>
             <a:fld id="{537C006B-56ED-4296-AE01-F92F078ACF24}" type="datetimeFigureOut">
               <a:rPr lang="zh-CN" altLang="en-US" smtClean="0"/>
-              <a:t>2018/9/29</a:t>
+              <a:t>2019/1/2</a:t>
             </a:fld>
             <a:endParaRPr lang="zh-CN" altLang="en-US"/>
           </a:p>
@@ -1873,7 +1873,7 @@
           <a:p>
             <a:fld id="{537C006B-56ED-4296-AE01-F92F078ACF24}" type="datetimeFigureOut">
               <a:rPr lang="zh-CN" altLang="en-US" smtClean="0"/>
-              <a:t>2018/9/29</a:t>
+              <a:t>2019/1/2</a:t>
             </a:fld>
             <a:endParaRPr lang="zh-CN" altLang="en-US"/>
           </a:p>
@@ -2150,7 +2150,7 @@
           <a:p>
             <a:fld id="{537C006B-56ED-4296-AE01-F92F078ACF24}" type="datetimeFigureOut">
               <a:rPr lang="zh-CN" altLang="en-US" smtClean="0"/>
-              <a:t>2018/9/29</a:t>
+              <a:t>2019/1/2</a:t>
             </a:fld>
             <a:endParaRPr lang="zh-CN" altLang="en-US"/>
           </a:p>
@@ -2403,7 +2403,7 @@
           <a:p>
             <a:fld id="{537C006B-56ED-4296-AE01-F92F078ACF24}" type="datetimeFigureOut">
               <a:rPr lang="zh-CN" altLang="en-US" smtClean="0"/>
-              <a:t>2018/9/29</a:t>
+              <a:t>2019/1/2</a:t>
             </a:fld>
             <a:endParaRPr lang="zh-CN" altLang="en-US"/>
           </a:p>
@@ -2616,7 +2616,7 @@
           <a:p>
             <a:fld id="{537C006B-56ED-4296-AE01-F92F078ACF24}" type="datetimeFigureOut">
               <a:rPr lang="zh-CN" altLang="en-US" smtClean="0"/>
-              <a:t>2018/9/29</a:t>
+              <a:t>2019/1/2</a:t>
             </a:fld>
             <a:endParaRPr lang="zh-CN" altLang="en-US"/>
           </a:p>
@@ -4387,12 +4387,16 @@
               <a:t>	</a:t>
             </a:r>
             <a:r>
-              <a:rPr lang="en-US" altLang="zh-CN" dirty="0" err="1" smtClean="0"/>
-              <a:t>name:dfs.namenode.secondary.https-address</a:t>
-            </a:r>
-            <a:r>
-              <a:rPr lang="en-US" altLang="zh-CN" dirty="0" smtClean="0"/>
-              <a:t> # </a:t>
+              <a:rPr lang="en-US" altLang="zh-CN" smtClean="0"/>
+              <a:t>name:dfs.namenode.secondary.http-address</a:t>
+            </a:r>
+            <a:r>
+              <a:rPr lang="en-US" altLang="zh-CN" dirty="0" smtClean="0"/>
+              <a:t> </a:t>
+            </a:r>
+            <a:r>
+              <a:rPr lang="en-US" altLang="zh-CN" dirty="0" smtClean="0"/>
+              <a:t># </a:t>
             </a:r>
             <a:r>
               <a:rPr lang="en-US" altLang="zh-CN" dirty="0" err="1" smtClean="0"/>
@@ -25999,11 +26003,7 @@
             </a:r>
             <a:r>
               <a:rPr lang="zh-CN" altLang="en-US" dirty="0" smtClean="0"/>
-              <a:t>不可以？？</a:t>
-            </a:r>
-            <a:r>
-              <a:rPr lang="zh-CN" altLang="en-US" dirty="0" smtClean="0"/>
-              <a:t>？</a:t>
+              <a:t>不可以？？？</a:t>
             </a:r>
             <a:endParaRPr lang="en-US" altLang="zh-CN" dirty="0" smtClean="0"/>
           </a:p>
